--- a/New Microsoft PowerPoint Presentation.pptx
+++ b/New Microsoft PowerPoint Presentation.pptx
@@ -5,7 +5,7 @@
     <p:sldMasterId id="2147483696" r:id="rId1"/>
   </p:sldMasterIdLst>
   <p:notesMasterIdLst>
-    <p:notesMasterId r:id="rId20"/>
+    <p:notesMasterId r:id="rId19"/>
   </p:notesMasterIdLst>
   <p:sldIdLst>
     <p:sldId id="256" r:id="rId2"/>
@@ -20,12 +20,11 @@
     <p:sldId id="258" r:id="rId11"/>
     <p:sldId id="272" r:id="rId12"/>
     <p:sldId id="270" r:id="rId13"/>
-    <p:sldId id="273" r:id="rId14"/>
-    <p:sldId id="276" r:id="rId15"/>
-    <p:sldId id="275" r:id="rId16"/>
-    <p:sldId id="274" r:id="rId17"/>
-    <p:sldId id="261" r:id="rId18"/>
-    <p:sldId id="263" r:id="rId19"/>
+    <p:sldId id="276" r:id="rId14"/>
+    <p:sldId id="275" r:id="rId15"/>
+    <p:sldId id="274" r:id="rId16"/>
+    <p:sldId id="261" r:id="rId17"/>
+    <p:sldId id="263" r:id="rId18"/>
   </p:sldIdLst>
   <p:sldSz cx="12192000" cy="6858000"/>
   <p:notesSz cx="6858000" cy="9144000"/>
@@ -7401,7 +7400,25 @@
           <a:bodyPr/>
           <a:lstStyle/>
           <a:p>
+            <a:r>
+              <a:rPr lang="en-US" dirty="0"/>
+              <a:t>What is an IDE?</a:t>
+            </a:r>
+          </a:p>
+          <a:p>
+            <a:r>
+              <a:rPr lang="en-US" dirty="0"/>
+              <a:t>It is basically a software application we can use to write code</a:t>
+            </a:r>
+          </a:p>
+          <a:p>
             <a:endParaRPr lang="en-US" dirty="0"/>
+          </a:p>
+          <a:p>
+            <a:r>
+              <a:rPr lang="en-US" dirty="0"/>
+              <a:t>For DS, we can use any of these classic IDEs, but for today’s workshop we will use something else</a:t>
+            </a:r>
           </a:p>
         </p:txBody>
       </p:sp>
@@ -7432,6 +7449,111 @@
     <p:extLst>
       <p:ext uri="{BB962C8B-B14F-4D97-AF65-F5344CB8AC3E}">
         <p14:creationId xmlns:p14="http://schemas.microsoft.com/office/powerpoint/2010/main" val="3830859518"/>
+      </p:ext>
+    </p:extLst>
+  </p:cSld>
+  <p:clrMapOvr>
+    <a:masterClrMapping/>
+  </p:clrMapOvr>
+</p:notes>
+</file>
+
+<file path=ppt/notesSlides/notesSlide9.xml><?xml version="1.0" encoding="utf-8"?>
+<p:notes xmlns:a="http://schemas.openxmlformats.org/drawingml/2006/main" xmlns:r="http://schemas.openxmlformats.org/officeDocument/2006/relationships" xmlns:p="http://schemas.openxmlformats.org/presentationml/2006/main">
+  <p:cSld>
+    <p:spTree>
+      <p:nvGrpSpPr>
+        <p:cNvPr id="1" name=""/>
+        <p:cNvGrpSpPr/>
+        <p:nvPr/>
+      </p:nvGrpSpPr>
+      <p:grpSpPr>
+        <a:xfrm>
+          <a:off x="0" y="0"/>
+          <a:ext cx="0" cy="0"/>
+          <a:chOff x="0" y="0"/>
+          <a:chExt cx="0" cy="0"/>
+        </a:xfrm>
+      </p:grpSpPr>
+      <p:sp>
+        <p:nvSpPr>
+          <p:cNvPr id="2" name="Slide Image Placeholder 1"/>
+          <p:cNvSpPr>
+            <a:spLocks noGrp="1" noRot="1" noChangeAspect="1"/>
+          </p:cNvSpPr>
+          <p:nvPr>
+            <p:ph type="sldImg"/>
+          </p:nvPr>
+        </p:nvSpPr>
+        <p:spPr/>
+      </p:sp>
+      <p:sp>
+        <p:nvSpPr>
+          <p:cNvPr id="3" name="Notes Placeholder 2"/>
+          <p:cNvSpPr>
+            <a:spLocks noGrp="1"/>
+          </p:cNvSpPr>
+          <p:nvPr>
+            <p:ph type="body" idx="1"/>
+          </p:nvPr>
+        </p:nvSpPr>
+        <p:spPr/>
+        <p:txBody>
+          <a:bodyPr/>
+          <a:lstStyle/>
+          <a:p>
+            <a:r>
+              <a:rPr lang="en-US" dirty="0"/>
+              <a:t>It’s called Jupyter Notebooks.</a:t>
+            </a:r>
+          </a:p>
+          <a:p>
+            <a:r>
+              <a:rPr lang="en-US" dirty="0"/>
+              <a:t>What are Jupyter Notebooks?</a:t>
+            </a:r>
+          </a:p>
+          <a:p>
+            <a:r>
+              <a:rPr lang="en-US" dirty="0"/>
+              <a:t>These are interactive web applications</a:t>
+            </a:r>
+          </a:p>
+          <a:p>
+            <a:r>
+              <a:rPr lang="en-US" dirty="0"/>
+              <a:t>We can use Anaconda Navigator or Google Colab to run Jupyter Notebooks</a:t>
+            </a:r>
+          </a:p>
+        </p:txBody>
+      </p:sp>
+      <p:sp>
+        <p:nvSpPr>
+          <p:cNvPr id="4" name="Slide Number Placeholder 3"/>
+          <p:cNvSpPr>
+            <a:spLocks noGrp="1"/>
+          </p:cNvSpPr>
+          <p:nvPr>
+            <p:ph type="sldNum" sz="quarter" idx="5"/>
+          </p:nvPr>
+        </p:nvSpPr>
+        <p:spPr/>
+        <p:txBody>
+          <a:bodyPr/>
+          <a:lstStyle/>
+          <a:p>
+            <a:fld id="{A6AD8FEC-6EA6-47FB-831E-7C1528A9FA62}" type="slidenum">
+              <a:rPr lang="en-US" smtClean="0"/>
+              <a:t>13</a:t>
+            </a:fld>
+            <a:endParaRPr lang="en-US"/>
+          </a:p>
+        </p:txBody>
+      </p:sp>
+    </p:spTree>
+    <p:extLst>
+      <p:ext uri="{BB962C8B-B14F-4D97-AF65-F5344CB8AC3E}">
+        <p14:creationId xmlns:p14="http://schemas.microsoft.com/office/powerpoint/2010/main" val="3333980083"/>
       </p:ext>
     </p:extLst>
   </p:cSld>
@@ -14678,7 +14800,7 @@
           <p:nvPr/>
         </p:nvPicPr>
         <p:blipFill>
-          <a:blip r:embed="rId2">
+          <a:blip r:embed="rId3">
             <a:extLst>
               <a:ext uri="{28A0092B-C50C-407E-A947-70E740481C1C}">
                 <a14:useLocalDpi xmlns:a14="http://schemas.microsoft.com/office/drawing/2010/main" val="0"/>
@@ -14727,156 +14849,7 @@
         </p:nvSpPr>
         <p:spPr>
           <a:xfrm>
-            <a:off x="1295401" y="2556932"/>
-            <a:ext cx="9601196" cy="1108760"/>
-          </a:xfrm>
-        </p:spPr>
-        <p:txBody>
-          <a:bodyPr/>
-          <a:lstStyle/>
-          <a:p>
-            <a:r>
-              <a:rPr lang="en-US" dirty="0"/>
-              <a:t>Web applications that allow you to write and run code</a:t>
-            </a:r>
-          </a:p>
-          <a:p>
-            <a:r>
-              <a:rPr lang="en-US" dirty="0"/>
-              <a:t>Run code cell-wise</a:t>
-            </a:r>
-          </a:p>
-        </p:txBody>
-      </p:sp>
-    </p:spTree>
-    <p:extLst>
-      <p:ext uri="{BB962C8B-B14F-4D97-AF65-F5344CB8AC3E}">
-        <p14:creationId xmlns:p14="http://schemas.microsoft.com/office/powerpoint/2010/main" val="302090826"/>
-      </p:ext>
-    </p:extLst>
-  </p:cSld>
-  <p:clrMapOvr>
-    <a:masterClrMapping/>
-  </p:clrMapOvr>
-</p:sld>
-</file>
-
-<file path=ppt/slides/slide14.xml><?xml version="1.0" encoding="utf-8"?>
-<p:sld xmlns:a="http://schemas.openxmlformats.org/drawingml/2006/main" xmlns:r="http://schemas.openxmlformats.org/officeDocument/2006/relationships" xmlns:p="http://schemas.openxmlformats.org/presentationml/2006/main">
-  <p:cSld>
-    <p:spTree>
-      <p:nvGrpSpPr>
-        <p:cNvPr id="1" name=""/>
-        <p:cNvGrpSpPr/>
-        <p:nvPr/>
-      </p:nvGrpSpPr>
-      <p:grpSpPr>
-        <a:xfrm>
-          <a:off x="0" y="0"/>
-          <a:ext cx="0" cy="0"/>
-          <a:chOff x="0" y="0"/>
-          <a:chExt cx="0" cy="0"/>
-        </a:xfrm>
-      </p:grpSpPr>
-      <p:sp>
-        <p:nvSpPr>
-          <p:cNvPr id="2" name="Title 1">
-            <a:extLst>
-              <a:ext uri="{FF2B5EF4-FFF2-40B4-BE49-F238E27FC236}">
-                <a16:creationId xmlns:a16="http://schemas.microsoft.com/office/drawing/2014/main" id="{A7707AEB-57E6-486E-8577-98FD6282B436}"/>
-              </a:ext>
-            </a:extLst>
-          </p:cNvPr>
-          <p:cNvSpPr>
-            <a:spLocks noGrp="1"/>
-          </p:cNvSpPr>
-          <p:nvPr>
-            <p:ph type="title"/>
-          </p:nvPr>
-        </p:nvSpPr>
-        <p:spPr>
-          <a:xfrm>
-            <a:off x="1295402" y="1610307"/>
-            <a:ext cx="9601196" cy="765748"/>
-          </a:xfrm>
-        </p:spPr>
-        <p:txBody>
-          <a:bodyPr/>
-          <a:lstStyle/>
-          <a:p>
-            <a:pPr algn="l"/>
-            <a:r>
-              <a:rPr lang="en-US" dirty="0"/>
-              <a:t>Jupyter Notebooks</a:t>
-            </a:r>
-          </a:p>
-        </p:txBody>
-      </p:sp>
-      <p:pic>
-        <p:nvPicPr>
-          <p:cNvPr id="5" name="Picture 4" descr="Logo, icon, company name&#10;&#10;Description automatically generated">
-            <a:extLst>
-              <a:ext uri="{FF2B5EF4-FFF2-40B4-BE49-F238E27FC236}">
-                <a16:creationId xmlns:a16="http://schemas.microsoft.com/office/drawing/2014/main" id="{50C8F692-ACB8-4751-BD7F-90394603C630}"/>
-              </a:ext>
-            </a:extLst>
-          </p:cNvPr>
-          <p:cNvPicPr>
-            <a:picLocks noChangeAspect="1"/>
-          </p:cNvPicPr>
-          <p:nvPr/>
-        </p:nvPicPr>
-        <p:blipFill>
-          <a:blip r:embed="rId2">
-            <a:extLst>
-              <a:ext uri="{28A0092B-C50C-407E-A947-70E740481C1C}">
-                <a14:useLocalDpi xmlns:a14="http://schemas.microsoft.com/office/drawing/2010/main" val="0"/>
-              </a:ext>
-            </a:extLst>
-          </a:blip>
-          <a:stretch>
-            <a:fillRect/>
-          </a:stretch>
-        </p:blipFill>
-        <p:spPr>
-          <a:xfrm>
-            <a:off x="7157021" y="730753"/>
-            <a:ext cx="1279294" cy="1483980"/>
-          </a:xfrm>
-          <a:prstGeom prst="rect">
-            <a:avLst/>
-          </a:prstGeom>
-          <a:ln>
-            <a:noFill/>
-          </a:ln>
-          <a:effectLst>
-            <a:outerShdw blurRad="292100" dist="139700" dir="2700000" algn="tl" rotWithShape="0">
-              <a:srgbClr val="333333">
-                <a:alpha val="65000"/>
-              </a:srgbClr>
-            </a:outerShdw>
-          </a:effectLst>
-        </p:spPr>
-      </p:pic>
-      <p:sp>
-        <p:nvSpPr>
-          <p:cNvPr id="6" name="Content Placeholder 2">
-            <a:extLst>
-              <a:ext uri="{FF2B5EF4-FFF2-40B4-BE49-F238E27FC236}">
-                <a16:creationId xmlns:a16="http://schemas.microsoft.com/office/drawing/2014/main" id="{993E23FC-3E5F-46F1-A809-28D54AC6B3E5}"/>
-              </a:ext>
-            </a:extLst>
-          </p:cNvPr>
-          <p:cNvSpPr>
-            <a:spLocks noGrp="1"/>
-          </p:cNvSpPr>
-          <p:nvPr>
-            <p:ph idx="1"/>
-          </p:nvPr>
-        </p:nvSpPr>
-        <p:spPr>
-          <a:xfrm>
-            <a:off x="1295402" y="2769945"/>
+            <a:off x="5746021" y="2907642"/>
             <a:ext cx="3422256" cy="936208"/>
           </a:xfrm>
         </p:spPr>
@@ -14924,7 +14897,7 @@
           <p:nvPr/>
         </p:nvPicPr>
         <p:blipFill rotWithShape="1">
-          <a:blip r:embed="rId3">
+          <a:blip r:embed="rId4">
             <a:extLst>
               <a:ext uri="{28A0092B-C50C-407E-A947-70E740481C1C}">
                 <a14:useLocalDpi xmlns:a14="http://schemas.microsoft.com/office/drawing/2010/main" val="0"/>
@@ -14936,7 +14909,7 @@
         </p:blipFill>
         <p:spPr>
           <a:xfrm>
-            <a:off x="5001315" y="2648030"/>
+            <a:off x="9451935" y="2648030"/>
             <a:ext cx="1264618" cy="1215158"/>
           </a:xfrm>
           <a:prstGeom prst="roundRect">
@@ -14985,7 +14958,7 @@
           <p:nvPr/>
         </p:nvPicPr>
         <p:blipFill>
-          <a:blip r:embed="rId4">
+          <a:blip r:embed="rId5">
             <a:extLst>
               <a:ext uri="{28A0092B-C50C-407E-A947-70E740481C1C}">
                 <a14:useLocalDpi xmlns:a14="http://schemas.microsoft.com/office/drawing/2010/main" val="0"/>
@@ -14998,7 +14971,7 @@
         </p:blipFill>
         <p:spPr>
           <a:xfrm>
-            <a:off x="5001315" y="4435721"/>
+            <a:off x="9451935" y="4435721"/>
             <a:ext cx="1208284" cy="1208284"/>
           </a:xfrm>
           <a:prstGeom prst="roundRect">
@@ -15048,7 +15021,7 @@
         </p:nvSpPr>
         <p:spPr>
           <a:xfrm>
-            <a:off x="1760356" y="4501743"/>
+            <a:off x="6210976" y="4501743"/>
             <a:ext cx="2492347" cy="1076240"/>
           </a:xfrm>
           <a:prstGeom prst="rect">
@@ -15320,6 +15293,313 @@
           </a:p>
         </p:txBody>
       </p:sp>
+      <p:sp>
+        <p:nvSpPr>
+          <p:cNvPr id="8" name="Content Placeholder 2">
+            <a:extLst>
+              <a:ext uri="{FF2B5EF4-FFF2-40B4-BE49-F238E27FC236}">
+                <a16:creationId xmlns:a16="http://schemas.microsoft.com/office/drawing/2014/main" id="{8D201C7F-57D2-4388-A22C-C32D6B854720}"/>
+              </a:ext>
+            </a:extLst>
+          </p:cNvPr>
+          <p:cNvSpPr txBox="1">
+            <a:spLocks/>
+          </p:cNvSpPr>
+          <p:nvPr/>
+        </p:nvSpPr>
+        <p:spPr>
+          <a:xfrm>
+            <a:off x="1295402" y="2780506"/>
+            <a:ext cx="4344747" cy="3015860"/>
+          </a:xfrm>
+          <a:prstGeom prst="rect">
+            <a:avLst/>
+          </a:prstGeom>
+        </p:spPr>
+        <p:txBody>
+          <a:bodyPr vert="horz" lIns="91440" tIns="45720" rIns="91440" bIns="45720" rtlCol="0" anchor="t">
+            <a:normAutofit lnSpcReduction="10000"/>
+          </a:bodyPr>
+          <a:lstStyle>
+            <a:lvl1pPr marL="285750" indent="-285750" algn="l" defTabSz="457200" rtl="0" eaLnBrk="1" latinLnBrk="0" hangingPunct="1">
+              <a:spcBef>
+                <a:spcPct val="20000"/>
+              </a:spcBef>
+              <a:spcAft>
+                <a:spcPts val="600"/>
+              </a:spcAft>
+              <a:buClr>
+                <a:schemeClr val="accent1"/>
+              </a:buClr>
+              <a:buSzPct val="115000"/>
+              <a:buFont typeface="Arial"/>
+              <a:buChar char="•"/>
+              <a:defRPr sz="2400" kern="1200" cap="none">
+                <a:solidFill>
+                  <a:schemeClr val="tx1">
+                    <a:lumMod val="85000"/>
+                    <a:lumOff val="15000"/>
+                  </a:schemeClr>
+                </a:solidFill>
+                <a:effectLst/>
+                <a:latin typeface="+mn-lt"/>
+                <a:ea typeface="+mn-ea"/>
+                <a:cs typeface="+mn-cs"/>
+              </a:defRPr>
+            </a:lvl1pPr>
+            <a:lvl2pPr marL="742950" indent="-285750" algn="l" defTabSz="457200" rtl="0" eaLnBrk="1" latinLnBrk="0" hangingPunct="1">
+              <a:spcBef>
+                <a:spcPct val="20000"/>
+              </a:spcBef>
+              <a:spcAft>
+                <a:spcPts val="600"/>
+              </a:spcAft>
+              <a:buClr>
+                <a:schemeClr val="accent1"/>
+              </a:buClr>
+              <a:buSzPct val="115000"/>
+              <a:buFont typeface="Arial"/>
+              <a:buChar char="•"/>
+              <a:defRPr sz="2000" kern="1200" cap="none">
+                <a:solidFill>
+                  <a:schemeClr val="tx1">
+                    <a:lumMod val="85000"/>
+                    <a:lumOff val="15000"/>
+                  </a:schemeClr>
+                </a:solidFill>
+                <a:effectLst/>
+                <a:latin typeface="+mn-lt"/>
+                <a:ea typeface="+mn-ea"/>
+                <a:cs typeface="+mn-cs"/>
+              </a:defRPr>
+            </a:lvl2pPr>
+            <a:lvl3pPr marL="1200150" indent="-285750" algn="l" defTabSz="457200" rtl="0" eaLnBrk="1" latinLnBrk="0" hangingPunct="1">
+              <a:spcBef>
+                <a:spcPct val="20000"/>
+              </a:spcBef>
+              <a:spcAft>
+                <a:spcPts val="600"/>
+              </a:spcAft>
+              <a:buClr>
+                <a:schemeClr val="accent1"/>
+              </a:buClr>
+              <a:buSzPct val="115000"/>
+              <a:buFont typeface="Arial"/>
+              <a:buChar char="•"/>
+              <a:defRPr sz="1800" kern="1200" cap="none">
+                <a:solidFill>
+                  <a:schemeClr val="tx1">
+                    <a:lumMod val="85000"/>
+                    <a:lumOff val="15000"/>
+                  </a:schemeClr>
+                </a:solidFill>
+                <a:effectLst/>
+                <a:latin typeface="+mn-lt"/>
+                <a:ea typeface="+mn-ea"/>
+                <a:cs typeface="+mn-cs"/>
+              </a:defRPr>
+            </a:lvl3pPr>
+            <a:lvl4pPr marL="1543050" indent="-171450" algn="l" defTabSz="457200" rtl="0" eaLnBrk="1" latinLnBrk="0" hangingPunct="1">
+              <a:spcBef>
+                <a:spcPct val="20000"/>
+              </a:spcBef>
+              <a:spcAft>
+                <a:spcPts val="600"/>
+              </a:spcAft>
+              <a:buClr>
+                <a:schemeClr val="accent1"/>
+              </a:buClr>
+              <a:buSzPct val="115000"/>
+              <a:buFont typeface="Arial"/>
+              <a:buChar char="•"/>
+              <a:defRPr sz="1600" kern="1200" cap="none">
+                <a:solidFill>
+                  <a:schemeClr val="tx1">
+                    <a:lumMod val="85000"/>
+                    <a:lumOff val="15000"/>
+                  </a:schemeClr>
+                </a:solidFill>
+                <a:effectLst/>
+                <a:latin typeface="+mn-lt"/>
+                <a:ea typeface="+mn-ea"/>
+                <a:cs typeface="+mn-cs"/>
+              </a:defRPr>
+            </a:lvl4pPr>
+            <a:lvl5pPr marL="2000250" indent="-171450" algn="l" defTabSz="457200" rtl="0" eaLnBrk="1" latinLnBrk="0" hangingPunct="1">
+              <a:spcBef>
+                <a:spcPct val="20000"/>
+              </a:spcBef>
+              <a:spcAft>
+                <a:spcPts val="600"/>
+              </a:spcAft>
+              <a:buClr>
+                <a:schemeClr val="accent1"/>
+              </a:buClr>
+              <a:buSzPct val="115000"/>
+              <a:buFont typeface="Arial"/>
+              <a:buChar char="•"/>
+              <a:defRPr sz="1400" kern="1200" cap="none">
+                <a:solidFill>
+                  <a:schemeClr val="tx1">
+                    <a:lumMod val="85000"/>
+                    <a:lumOff val="15000"/>
+                  </a:schemeClr>
+                </a:solidFill>
+                <a:effectLst/>
+                <a:latin typeface="+mn-lt"/>
+                <a:ea typeface="+mn-ea"/>
+                <a:cs typeface="+mn-cs"/>
+              </a:defRPr>
+            </a:lvl5pPr>
+            <a:lvl6pPr marL="2514600" indent="-228600" algn="l" defTabSz="457200" rtl="0" eaLnBrk="1" latinLnBrk="0" hangingPunct="1">
+              <a:spcBef>
+                <a:spcPct val="20000"/>
+              </a:spcBef>
+              <a:spcAft>
+                <a:spcPts val="600"/>
+              </a:spcAft>
+              <a:buClr>
+                <a:schemeClr val="accent1"/>
+              </a:buClr>
+              <a:buSzPct val="115000"/>
+              <a:buFont typeface="Arial"/>
+              <a:buChar char="•"/>
+              <a:defRPr sz="1400" kern="1200" cap="none">
+                <a:solidFill>
+                  <a:schemeClr val="tx1">
+                    <a:lumMod val="85000"/>
+                    <a:lumOff val="15000"/>
+                  </a:schemeClr>
+                </a:solidFill>
+                <a:effectLst/>
+                <a:latin typeface="+mn-lt"/>
+                <a:ea typeface="+mn-ea"/>
+                <a:cs typeface="+mn-cs"/>
+              </a:defRPr>
+            </a:lvl6pPr>
+            <a:lvl7pPr marL="2971800" indent="-228600" algn="l" defTabSz="457200" rtl="0" eaLnBrk="1" latinLnBrk="0" hangingPunct="1">
+              <a:spcBef>
+                <a:spcPct val="20000"/>
+              </a:spcBef>
+              <a:spcAft>
+                <a:spcPts val="600"/>
+              </a:spcAft>
+              <a:buClr>
+                <a:schemeClr val="accent1"/>
+              </a:buClr>
+              <a:buSzPct val="115000"/>
+              <a:buFont typeface="Arial"/>
+              <a:buChar char="•"/>
+              <a:defRPr sz="1400" kern="1200" cap="none">
+                <a:solidFill>
+                  <a:schemeClr val="tx1">
+                    <a:lumMod val="85000"/>
+                    <a:lumOff val="15000"/>
+                  </a:schemeClr>
+                </a:solidFill>
+                <a:effectLst/>
+                <a:latin typeface="+mn-lt"/>
+                <a:ea typeface="+mn-ea"/>
+                <a:cs typeface="+mn-cs"/>
+              </a:defRPr>
+            </a:lvl7pPr>
+            <a:lvl8pPr marL="3429000" indent="-228600" algn="l" defTabSz="457200" rtl="0" eaLnBrk="1" latinLnBrk="0" hangingPunct="1">
+              <a:spcBef>
+                <a:spcPct val="20000"/>
+              </a:spcBef>
+              <a:spcAft>
+                <a:spcPts val="600"/>
+              </a:spcAft>
+              <a:buClr>
+                <a:schemeClr val="accent1"/>
+              </a:buClr>
+              <a:buSzPct val="115000"/>
+              <a:buFont typeface="Arial"/>
+              <a:buChar char="•"/>
+              <a:defRPr sz="1400" kern="1200" cap="none">
+                <a:solidFill>
+                  <a:schemeClr val="tx1">
+                    <a:lumMod val="85000"/>
+                    <a:lumOff val="15000"/>
+                  </a:schemeClr>
+                </a:solidFill>
+                <a:effectLst/>
+                <a:latin typeface="+mn-lt"/>
+                <a:ea typeface="+mn-ea"/>
+                <a:cs typeface="+mn-cs"/>
+              </a:defRPr>
+            </a:lvl8pPr>
+            <a:lvl9pPr marL="3886200" indent="-228600" algn="l" defTabSz="457200" rtl="0" eaLnBrk="1" latinLnBrk="0" hangingPunct="1">
+              <a:spcBef>
+                <a:spcPct val="20000"/>
+              </a:spcBef>
+              <a:spcAft>
+                <a:spcPts val="600"/>
+              </a:spcAft>
+              <a:buClr>
+                <a:schemeClr val="accent1"/>
+              </a:buClr>
+              <a:buSzPct val="115000"/>
+              <a:buFont typeface="Arial"/>
+              <a:buChar char="•"/>
+              <a:defRPr sz="1400" kern="1200" cap="none">
+                <a:solidFill>
+                  <a:schemeClr val="tx1">
+                    <a:lumMod val="85000"/>
+                    <a:lumOff val="15000"/>
+                  </a:schemeClr>
+                </a:solidFill>
+                <a:effectLst/>
+                <a:latin typeface="+mn-lt"/>
+                <a:ea typeface="+mn-ea"/>
+                <a:cs typeface="+mn-cs"/>
+              </a:defRPr>
+            </a:lvl9pPr>
+          </a:lstStyle>
+          <a:p>
+            <a:r>
+              <a:rPr lang="en-US" dirty="0"/>
+              <a:t>Interactive web applications</a:t>
+            </a:r>
+          </a:p>
+          <a:p>
+            <a:r>
+              <a:rPr lang="en-US" dirty="0"/>
+              <a:t>Can consists of text, code, image and more</a:t>
+            </a:r>
+          </a:p>
+          <a:p>
+            <a:r>
+              <a:rPr lang="en-US" dirty="0"/>
+              <a:t>Is composed of two types of cells:</a:t>
+            </a:r>
+          </a:p>
+          <a:p>
+            <a:pPr lvl="1"/>
+            <a:r>
+              <a:rPr lang="en-US" dirty="0"/>
+              <a:t>Code Cells</a:t>
+            </a:r>
+          </a:p>
+          <a:p>
+            <a:pPr lvl="1"/>
+            <a:r>
+              <a:rPr lang="en-US" dirty="0"/>
+              <a:t>Text Cells</a:t>
+            </a:r>
+          </a:p>
+          <a:p>
+            <a:endParaRPr lang="en-US" dirty="0"/>
+          </a:p>
+          <a:p>
+            <a:pPr lvl="1"/>
+            <a:endParaRPr lang="en-US" dirty="0"/>
+          </a:p>
+          <a:p>
+            <a:endParaRPr lang="en-US" dirty="0"/>
+          </a:p>
+        </p:txBody>
+      </p:sp>
     </p:spTree>
     <p:extLst>
       <p:ext uri="{BB962C8B-B14F-4D97-AF65-F5344CB8AC3E}">
@@ -15333,7 +15613,7 @@
 </p:sld>
 </file>
 
-<file path=ppt/slides/slide15.xml><?xml version="1.0" encoding="utf-8"?>
+<file path=ppt/slides/slide14.xml><?xml version="1.0" encoding="utf-8"?>
 <p:sld xmlns:a="http://schemas.openxmlformats.org/drawingml/2006/main" xmlns:r="http://schemas.openxmlformats.org/officeDocument/2006/relationships" xmlns:p="http://schemas.openxmlformats.org/presentationml/2006/main">
   <p:cSld>
     <p:bg>
@@ -15854,7 +16134,7 @@
           <a:lstStyle/>
           <a:p>
             <a:r>
-              <a:rPr lang="en-US" sz="6600">
+              <a:rPr lang="en-US" sz="6600" dirty="0">
                 <a:solidFill>
                   <a:schemeClr val="bg1"/>
                 </a:solidFill>
@@ -15984,6 +16264,61 @@
           </a:sp3d>
         </p:spPr>
       </p:pic>
+      <p:sp>
+        <p:nvSpPr>
+          <p:cNvPr id="3" name="TextBox 2">
+            <a:extLst>
+              <a:ext uri="{FF2B5EF4-FFF2-40B4-BE49-F238E27FC236}">
+                <a16:creationId xmlns:a16="http://schemas.microsoft.com/office/drawing/2014/main" id="{AC1A36BD-281E-4DB1-B160-4E8EACF75592}"/>
+              </a:ext>
+            </a:extLst>
+          </p:cNvPr>
+          <p:cNvSpPr txBox="1"/>
+          <p:nvPr/>
+        </p:nvSpPr>
+        <p:spPr>
+          <a:xfrm rot="645303">
+            <a:off x="417748" y="3294360"/>
+            <a:ext cx="7360955" cy="830997"/>
+          </a:xfrm>
+          <a:prstGeom prst="rect">
+            <a:avLst/>
+          </a:prstGeom>
+          <a:solidFill>
+            <a:schemeClr val="bg2">
+              <a:lumMod val="50000"/>
+            </a:schemeClr>
+          </a:solidFill>
+          <a:ln w="38100">
+            <a:solidFill>
+              <a:schemeClr val="tx1"/>
+            </a:solidFill>
+          </a:ln>
+          <a:scene3d>
+            <a:camera prst="orthographicFront"/>
+            <a:lightRig rig="threePt" dir="t"/>
+          </a:scene3d>
+          <a:sp3d>
+            <a:bevelT w="114300" prst="artDeco"/>
+          </a:sp3d>
+        </p:spPr>
+        <p:txBody>
+          <a:bodyPr wrap="square" rtlCol="0">
+            <a:spAutoFit/>
+          </a:bodyPr>
+          <a:lstStyle/>
+          <a:p>
+            <a:r>
+              <a:rPr lang="en-US" sz="4800" b="1" dirty="0">
+                <a:solidFill>
+                  <a:schemeClr val="bg1"/>
+                </a:solidFill>
+              </a:rPr>
+              <a:t>colab.research.google.com</a:t>
+            </a:r>
+          </a:p>
+        </p:txBody>
+      </p:sp>
     </p:spTree>
     <p:extLst>
       <p:ext uri="{BB962C8B-B14F-4D97-AF65-F5344CB8AC3E}">
@@ -15994,10 +16329,142 @@
   <p:clrMapOvr>
     <a:masterClrMapping/>
   </p:clrMapOvr>
+  <p:timing>
+    <p:tnLst>
+      <p:par>
+        <p:cTn id="1" dur="indefinite" restart="never" nodeType="tmRoot">
+          <p:childTnLst>
+            <p:seq concurrent="1" nextAc="seek">
+              <p:cTn id="2" dur="indefinite" nodeType="mainSeq">
+                <p:childTnLst>
+                  <p:par>
+                    <p:cTn id="3" fill="hold">
+                      <p:stCondLst>
+                        <p:cond delay="indefinite"/>
+                      </p:stCondLst>
+                      <p:childTnLst>
+                        <p:par>
+                          <p:cTn id="4" fill="hold">
+                            <p:stCondLst>
+                              <p:cond delay="0"/>
+                            </p:stCondLst>
+                            <p:childTnLst>
+                              <p:par>
+                                <p:cTn id="5" presetID="53" presetClass="entr" presetSubtype="16" fill="hold" grpId="0" nodeType="clickEffect">
+                                  <p:stCondLst>
+                                    <p:cond delay="0"/>
+                                  </p:stCondLst>
+                                  <p:childTnLst>
+                                    <p:set>
+                                      <p:cBhvr>
+                                        <p:cTn id="6" dur="1" fill="hold">
+                                          <p:stCondLst>
+                                            <p:cond delay="0"/>
+                                          </p:stCondLst>
+                                        </p:cTn>
+                                        <p:tgtEl>
+                                          <p:spTgt spid="3"/>
+                                        </p:tgtEl>
+                                        <p:attrNameLst>
+                                          <p:attrName>style.visibility</p:attrName>
+                                        </p:attrNameLst>
+                                      </p:cBhvr>
+                                      <p:to>
+                                        <p:strVal val="visible"/>
+                                      </p:to>
+                                    </p:set>
+                                    <p:anim calcmode="lin" valueType="num">
+                                      <p:cBhvr>
+                                        <p:cTn id="7" dur="500" fill="hold"/>
+                                        <p:tgtEl>
+                                          <p:spTgt spid="3"/>
+                                        </p:tgtEl>
+                                        <p:attrNameLst>
+                                          <p:attrName>ppt_w</p:attrName>
+                                        </p:attrNameLst>
+                                      </p:cBhvr>
+                                      <p:tavLst>
+                                        <p:tav tm="0">
+                                          <p:val>
+                                            <p:fltVal val="0"/>
+                                          </p:val>
+                                        </p:tav>
+                                        <p:tav tm="100000">
+                                          <p:val>
+                                            <p:strVal val="#ppt_w"/>
+                                          </p:val>
+                                        </p:tav>
+                                      </p:tavLst>
+                                    </p:anim>
+                                    <p:anim calcmode="lin" valueType="num">
+                                      <p:cBhvr>
+                                        <p:cTn id="8" dur="500" fill="hold"/>
+                                        <p:tgtEl>
+                                          <p:spTgt spid="3"/>
+                                        </p:tgtEl>
+                                        <p:attrNameLst>
+                                          <p:attrName>ppt_h</p:attrName>
+                                        </p:attrNameLst>
+                                      </p:cBhvr>
+                                      <p:tavLst>
+                                        <p:tav tm="0">
+                                          <p:val>
+                                            <p:fltVal val="0"/>
+                                          </p:val>
+                                        </p:tav>
+                                        <p:tav tm="100000">
+                                          <p:val>
+                                            <p:strVal val="#ppt_h"/>
+                                          </p:val>
+                                        </p:tav>
+                                      </p:tavLst>
+                                    </p:anim>
+                                    <p:animEffect transition="in" filter="fade">
+                                      <p:cBhvr>
+                                        <p:cTn id="9" dur="500"/>
+                                        <p:tgtEl>
+                                          <p:spTgt spid="3"/>
+                                        </p:tgtEl>
+                                      </p:cBhvr>
+                                    </p:animEffect>
+                                  </p:childTnLst>
+                                </p:cTn>
+                              </p:par>
+                            </p:childTnLst>
+                          </p:cTn>
+                        </p:par>
+                      </p:childTnLst>
+                    </p:cTn>
+                  </p:par>
+                </p:childTnLst>
+              </p:cTn>
+              <p:prevCondLst>
+                <p:cond evt="onPrev" delay="0">
+                  <p:tgtEl>
+                    <p:sldTgt/>
+                  </p:tgtEl>
+                </p:cond>
+              </p:prevCondLst>
+              <p:nextCondLst>
+                <p:cond evt="onNext" delay="0">
+                  <p:tgtEl>
+                    <p:sldTgt/>
+                  </p:tgtEl>
+                </p:cond>
+              </p:nextCondLst>
+            </p:seq>
+          </p:childTnLst>
+        </p:cTn>
+      </p:par>
+    </p:tnLst>
+    <p:bldLst>
+      <p:bldP spid="3" grpId="0" animBg="1"/>
+    </p:bldLst>
+  </p:timing>
 </p:sld>
 </file>
 
-<file path=ppt/slides/slide16.xml><?xml version="1.0" encoding="utf-8"?>
+<file path=ppt/slides/slide15.xml><?xml version="1.0" encoding="utf-8"?>
 <p:sld xmlns:a="http://schemas.openxmlformats.org/drawingml/2006/main" xmlns:r="http://schemas.openxmlformats.org/officeDocument/2006/relationships" xmlns:p="http://schemas.openxmlformats.org/presentationml/2006/main">
   <p:cSld>
     <p:bg>
@@ -16481,7 +16948,7 @@
 </p:sld>
 </file>
 
-<file path=ppt/slides/slide17.xml><?xml version="1.0" encoding="utf-8"?>
+<file path=ppt/slides/slide16.xml><?xml version="1.0" encoding="utf-8"?>
 <p:sld xmlns:a="http://schemas.openxmlformats.org/drawingml/2006/main" xmlns:r="http://schemas.openxmlformats.org/officeDocument/2006/relationships" xmlns:p="http://schemas.openxmlformats.org/presentationml/2006/main">
   <p:cSld>
     <p:spTree>
@@ -16600,7 +17067,7 @@
 </p:sld>
 </file>
 
-<file path=ppt/slides/slide18.xml><?xml version="1.0" encoding="utf-8"?>
+<file path=ppt/slides/slide17.xml><?xml version="1.0" encoding="utf-8"?>
 <p:sld xmlns:a="http://schemas.openxmlformats.org/drawingml/2006/main" xmlns:r="http://schemas.openxmlformats.org/officeDocument/2006/relationships" xmlns:p="http://schemas.openxmlformats.org/presentationml/2006/main">
   <p:cSld>
     <p:spTree>
